--- a/Presentation Slides/Image Recognition with Transfer Learning (CIFAR-10 Dataset).pptx
+++ b/Presentation Slides/Image Recognition with Transfer Learning (CIFAR-10 Dataset).pptx
@@ -33,7 +33,10 @@
     <p:sldId id="280" r:id="rId27"/>
     <p:sldId id="281" r:id="rId28"/>
     <p:sldId id="282" r:id="rId29"/>
-    <p:sldId id="290" r:id="rId30"/>
+    <p:sldId id="291" r:id="rId30"/>
+    <p:sldId id="292" r:id="rId31"/>
+    <p:sldId id="293" r:id="rId32"/>
+    <p:sldId id="290" r:id="rId33"/>
   </p:sldIdLst>
   <p:sldSz cx="12192000" cy="6858000"/>
   <p:notesSz cx="6858000" cy="9144000"/>
@@ -7143,6 +7146,794 @@
 </file>
 
 <file path=ppt/slides/slide29.xml><?xml version="1.0" encoding="utf-8"?>
+<p:sld xmlns:a="http://schemas.openxmlformats.org/drawingml/2006/main" xmlns:r="http://schemas.openxmlformats.org/officeDocument/2006/relationships" xmlns:p="http://schemas.openxmlformats.org/presentationml/2006/main">
+  <p:cSld>
+    <p:spTree>
+      <p:nvGrpSpPr>
+        <p:cNvPr id="1" name="">
+          <a:extLst>
+            <a:ext uri="{FF2B5EF4-FFF2-40B4-BE49-F238E27FC236}">
+              <a16:creationId xmlns:a16="http://schemas.microsoft.com/office/drawing/2014/main" id="{9AAAA949-5335-B5F7-0752-B0902231E00E}"/>
+            </a:ext>
+          </a:extLst>
+        </p:cNvPr>
+        <p:cNvGrpSpPr/>
+        <p:nvPr/>
+      </p:nvGrpSpPr>
+      <p:grpSpPr>
+        <a:xfrm>
+          <a:off x="0" y="0"/>
+          <a:ext cx="0" cy="0"/>
+          <a:chOff x="0" y="0"/>
+          <a:chExt cx="0" cy="0"/>
+        </a:xfrm>
+      </p:grpSpPr>
+      <p:sp>
+        <p:nvSpPr>
+          <p:cNvPr id="2" name="Title 1">
+            <a:extLst>
+              <a:ext uri="{FF2B5EF4-FFF2-40B4-BE49-F238E27FC236}">
+                <a16:creationId xmlns:a16="http://schemas.microsoft.com/office/drawing/2014/main" id="{75459889-FCEF-0D2B-D49D-C5942B250DBC}"/>
+              </a:ext>
+            </a:extLst>
+          </p:cNvPr>
+          <p:cNvSpPr>
+            <a:spLocks noGrp="1"/>
+          </p:cNvSpPr>
+          <p:nvPr>
+            <p:ph type="title"/>
+          </p:nvPr>
+        </p:nvSpPr>
+        <p:spPr>
+          <a:xfrm>
+            <a:off x="838200" y="365126"/>
+            <a:ext cx="10515600" cy="494846"/>
+          </a:xfrm>
+        </p:spPr>
+        <p:txBody>
+          <a:bodyPr>
+            <a:normAutofit fontScale="90000"/>
+          </a:bodyPr>
+          <a:lstStyle/>
+          <a:p>
+            <a:r>
+              <a:rPr lang="en-US" b="1" dirty="0"/>
+              <a:t>Key Insights &amp; Conclusions</a:t>
+            </a:r>
+            <a:endParaRPr lang="en-UG" b="1" dirty="0"/>
+          </a:p>
+        </p:txBody>
+      </p:sp>
+      <p:sp>
+        <p:nvSpPr>
+          <p:cNvPr id="4" name="TextBox 3">
+            <a:extLst>
+              <a:ext uri="{FF2B5EF4-FFF2-40B4-BE49-F238E27FC236}">
+                <a16:creationId xmlns:a16="http://schemas.microsoft.com/office/drawing/2014/main" id="{8C6387D3-0AD1-726A-9044-5E2711C7BA1D}"/>
+              </a:ext>
+            </a:extLst>
+          </p:cNvPr>
+          <p:cNvSpPr txBox="1"/>
+          <p:nvPr/>
+        </p:nvSpPr>
+        <p:spPr>
+          <a:xfrm>
+            <a:off x="979714" y="1014451"/>
+            <a:ext cx="10374085" cy="5093702"/>
+          </a:xfrm>
+          <a:prstGeom prst="rect">
+            <a:avLst/>
+          </a:prstGeom>
+          <a:noFill/>
+        </p:spPr>
+        <p:txBody>
+          <a:bodyPr wrap="square">
+            <a:spAutoFit/>
+          </a:bodyPr>
+          <a:lstStyle/>
+          <a:p>
+            <a:r>
+              <a:rPr lang="en-UG" sz="2500" b="1" dirty="0"/>
+              <a:t>PERFORMANCE RANKING</a:t>
+            </a:r>
+          </a:p>
+          <a:p>
+            <a:r>
+              <a:rPr lang="en-UG" sz="2500" dirty="0"/>
+              <a:t>Based on the analysis above:</a:t>
+            </a:r>
+          </a:p>
+          <a:p>
+            <a:pPr marL="285750" indent="-285750">
+              <a:buFont typeface="Arial" panose="020B0604020202020204" pitchFamily="34" charset="0"/>
+              <a:buChar char="•"/>
+            </a:pPr>
+            <a:r>
+              <a:rPr lang="en-UG" sz="2500" dirty="0"/>
+              <a:t>Custom CNN: Achieved the highest test accuracy (see Test Set Accuracy section above) - WINNER</a:t>
+            </a:r>
+          </a:p>
+          <a:p>
+            <a:pPr marL="285750" indent="-285750">
+              <a:buFont typeface="Arial" panose="020B0604020202020204" pitchFamily="34" charset="0"/>
+              <a:buChar char="•"/>
+            </a:pPr>
+            <a:r>
+              <a:rPr lang="en-UG" sz="2500" dirty="0"/>
+              <a:t>Transfer (Fine-tuned): Lower test accuracy compared to Custom CNN</a:t>
+            </a:r>
+          </a:p>
+          <a:p>
+            <a:pPr marL="285750" indent="-285750">
+              <a:buFont typeface="Arial" panose="020B0604020202020204" pitchFamily="34" charset="0"/>
+              <a:buChar char="•"/>
+            </a:pPr>
+            <a:r>
+              <a:rPr lang="en-UG" sz="2500" dirty="0"/>
+              <a:t>Transfer (Frozen Base): Lowest validation accuracy, near random chance</a:t>
+            </a:r>
+            <a:endParaRPr lang="en-US" sz="2500" dirty="0"/>
+          </a:p>
+          <a:p>
+            <a:endParaRPr lang="en-UG" sz="2500" dirty="0"/>
+          </a:p>
+          <a:p>
+            <a:r>
+              <a:rPr lang="en-UG" sz="2500" b="1" dirty="0"/>
+              <a:t>TRANSFER LEARNING FAILURE</a:t>
+            </a:r>
+          </a:p>
+          <a:p>
+            <a:pPr marL="285750" indent="-285750">
+              <a:buFont typeface="Arial" panose="020B0604020202020204" pitchFamily="34" charset="0"/>
+              <a:buChar char="•"/>
+            </a:pPr>
+            <a:r>
+              <a:rPr lang="en-UG" sz="2500" dirty="0"/>
+              <a:t>Transfer learning models failed to generalize despite:</a:t>
+            </a:r>
+          </a:p>
+          <a:p>
+            <a:pPr marL="285750" indent="-285750">
+              <a:buFont typeface="Arial" panose="020B0604020202020204" pitchFamily="34" charset="0"/>
+              <a:buChar char="•"/>
+            </a:pPr>
+            <a:r>
+              <a:rPr lang="en-UG" sz="2500" dirty="0"/>
+              <a:t>Pre-trained ImageNet weights (1.4M images, 1000 classes)</a:t>
+            </a:r>
+          </a:p>
+          <a:p>
+            <a:pPr marL="285750" indent="-285750">
+              <a:buFont typeface="Arial" panose="020B0604020202020204" pitchFamily="34" charset="0"/>
+              <a:buChar char="•"/>
+            </a:pPr>
+            <a:r>
+              <a:rPr lang="en-UG" sz="2500" dirty="0"/>
+              <a:t>Significantly more parameters than Custom CNN (see Model Complexity section)</a:t>
+            </a:r>
+          </a:p>
+          <a:p>
+            <a:pPr marL="285750" indent="-285750">
+              <a:buFont typeface="Arial" panose="020B0604020202020204" pitchFamily="34" charset="0"/>
+              <a:buChar char="•"/>
+            </a:pPr>
+            <a:r>
+              <a:rPr lang="en-UG" sz="2500" dirty="0"/>
+              <a:t>Fine-tuning with unfrozen layers</a:t>
+            </a:r>
+          </a:p>
+        </p:txBody>
+      </p:sp>
+    </p:spTree>
+    <p:extLst>
+      <p:ext uri="{BB962C8B-B14F-4D97-AF65-F5344CB8AC3E}">
+        <p14:creationId xmlns:p14="http://schemas.microsoft.com/office/powerpoint/2010/main" val="2895499936"/>
+      </p:ext>
+    </p:extLst>
+  </p:cSld>
+  <p:clrMapOvr>
+    <a:masterClrMapping/>
+  </p:clrMapOvr>
+</p:sld>
+</file>
+
+<file path=ppt/slides/slide3.xml><?xml version="1.0" encoding="utf-8"?>
+<p:sld xmlns:a="http://schemas.openxmlformats.org/drawingml/2006/main" xmlns:r="http://schemas.openxmlformats.org/officeDocument/2006/relationships" xmlns:p="http://schemas.openxmlformats.org/presentationml/2006/main">
+  <p:cSld>
+    <p:spTree>
+      <p:nvGrpSpPr>
+        <p:cNvPr id="1" name=""/>
+        <p:cNvGrpSpPr/>
+        <p:nvPr/>
+      </p:nvGrpSpPr>
+      <p:grpSpPr>
+        <a:xfrm>
+          <a:off x="0" y="0"/>
+          <a:ext cx="0" cy="0"/>
+          <a:chOff x="0" y="0"/>
+          <a:chExt cx="0" cy="0"/>
+        </a:xfrm>
+      </p:grpSpPr>
+      <p:sp>
+        <p:nvSpPr>
+          <p:cNvPr id="2" name="Title 1"/>
+          <p:cNvSpPr>
+            <a:spLocks noGrp="1"/>
+          </p:cNvSpPr>
+          <p:nvPr>
+            <p:ph type="title"/>
+          </p:nvPr>
+        </p:nvSpPr>
+        <p:spPr>
+          <a:xfrm>
+            <a:off x="1153885" y="274639"/>
+            <a:ext cx="8229600" cy="743934"/>
+          </a:xfrm>
+        </p:spPr>
+        <p:txBody>
+          <a:bodyPr>
+            <a:normAutofit/>
+          </a:bodyPr>
+          <a:lstStyle/>
+          <a:p>
+            <a:pPr algn="l"/>
+            <a:r>
+              <a:rPr b="1" dirty="0"/>
+              <a:t>About the CIFAR-10 Dataset</a:t>
+            </a:r>
+          </a:p>
+        </p:txBody>
+      </p:sp>
+      <p:sp>
+        <p:nvSpPr>
+          <p:cNvPr id="3" name="Content Placeholder 2"/>
+          <p:cNvSpPr>
+            <a:spLocks noGrp="1"/>
+          </p:cNvSpPr>
+          <p:nvPr>
+            <p:ph idx="1"/>
+          </p:nvPr>
+        </p:nvSpPr>
+        <p:spPr>
+          <a:xfrm>
+            <a:off x="664029" y="1218234"/>
+            <a:ext cx="10885713" cy="5365127"/>
+          </a:xfrm>
+        </p:spPr>
+        <p:txBody>
+          <a:bodyPr>
+            <a:noAutofit/>
+          </a:bodyPr>
+          <a:lstStyle/>
+          <a:p>
+            <a:pPr lvl="1" algn="just"/>
+            <a:r>
+              <a:rPr dirty="0"/>
+              <a:t>CIFAR-10 contains 60,000 color images sized 32×32 pixels. </a:t>
+            </a:r>
+            <a:endParaRPr lang="en-US" dirty="0"/>
+          </a:p>
+          <a:p>
+            <a:pPr lvl="1" algn="just"/>
+            <a:endParaRPr lang="en-US" dirty="0"/>
+          </a:p>
+          <a:p>
+            <a:pPr lvl="1" algn="just"/>
+            <a:r>
+              <a:rPr dirty="0"/>
+              <a:t>10 mutually exclusive classes, with 6,000 images per class.</a:t>
+            </a:r>
+            <a:endParaRPr lang="en-US" dirty="0"/>
+          </a:p>
+          <a:p>
+            <a:pPr lvl="1" algn="just"/>
+            <a:endParaRPr dirty="0"/>
+          </a:p>
+          <a:p>
+            <a:pPr lvl="1" algn="just"/>
+            <a:r>
+              <a:rPr dirty="0"/>
+              <a:t>Split: 50,000 training images and 10,000 test images.</a:t>
+            </a:r>
+            <a:endParaRPr lang="en-US" dirty="0"/>
+          </a:p>
+          <a:p>
+            <a:pPr lvl="1" algn="just"/>
+            <a:endParaRPr dirty="0"/>
+          </a:p>
+          <a:p>
+            <a:pPr lvl="1" algn="just"/>
+            <a:r>
+              <a:rPr dirty="0"/>
+              <a:t>Dataset structure: 5 training batches (10,000 each) and 1 test batch.</a:t>
+            </a:r>
+            <a:endParaRPr lang="en-US" dirty="0"/>
+          </a:p>
+          <a:p>
+            <a:pPr lvl="1" algn="just"/>
+            <a:endParaRPr dirty="0"/>
+          </a:p>
+          <a:p>
+            <a:pPr lvl="1" algn="just"/>
+            <a:r>
+              <a:rPr dirty="0"/>
+              <a:t>Test batch has exactly 1,000 images per class.</a:t>
+            </a:r>
+            <a:endParaRPr lang="en-US" dirty="0"/>
+          </a:p>
+          <a:p>
+            <a:pPr lvl="1" algn="just"/>
+            <a:endParaRPr dirty="0"/>
+          </a:p>
+          <a:p>
+            <a:pPr lvl="1" algn="just"/>
+            <a:r>
+              <a:rPr dirty="0"/>
+              <a:t>Training batches contain 5,000 images per class in total (random distribution).</a:t>
+            </a:r>
+            <a:endParaRPr lang="en-US" dirty="0"/>
+          </a:p>
+          <a:p>
+            <a:pPr lvl="1" algn="just"/>
+            <a:endParaRPr dirty="0"/>
+          </a:p>
+          <a:p>
+            <a:pPr lvl="1" algn="just"/>
+            <a:r>
+              <a:rPr dirty="0"/>
+              <a:t>Each batch is a pickled Python dictionary containing 'data' and 'labels'</a:t>
+            </a:r>
+          </a:p>
+        </p:txBody>
+      </p:sp>
+    </p:spTree>
+  </p:cSld>
+  <p:clrMapOvr>
+    <a:masterClrMapping/>
+  </p:clrMapOvr>
+</p:sld>
+</file>
+
+<file path=ppt/slides/slide30.xml><?xml version="1.0" encoding="utf-8"?>
+<p:sld xmlns:a="http://schemas.openxmlformats.org/drawingml/2006/main" xmlns:r="http://schemas.openxmlformats.org/officeDocument/2006/relationships" xmlns:p="http://schemas.openxmlformats.org/presentationml/2006/main">
+  <p:cSld>
+    <p:spTree>
+      <p:nvGrpSpPr>
+        <p:cNvPr id="1" name="">
+          <a:extLst>
+            <a:ext uri="{FF2B5EF4-FFF2-40B4-BE49-F238E27FC236}">
+              <a16:creationId xmlns:a16="http://schemas.microsoft.com/office/drawing/2014/main" id="{8D9AAA99-5963-3FDE-962A-B89DAE48D7B7}"/>
+            </a:ext>
+          </a:extLst>
+        </p:cNvPr>
+        <p:cNvGrpSpPr/>
+        <p:nvPr/>
+      </p:nvGrpSpPr>
+      <p:grpSpPr>
+        <a:xfrm>
+          <a:off x="0" y="0"/>
+          <a:ext cx="0" cy="0"/>
+          <a:chOff x="0" y="0"/>
+          <a:chExt cx="0" cy="0"/>
+        </a:xfrm>
+      </p:grpSpPr>
+      <p:sp>
+        <p:nvSpPr>
+          <p:cNvPr id="2" name="Title 1">
+            <a:extLst>
+              <a:ext uri="{FF2B5EF4-FFF2-40B4-BE49-F238E27FC236}">
+                <a16:creationId xmlns:a16="http://schemas.microsoft.com/office/drawing/2014/main" id="{B9EEE3B1-1020-3A31-616E-F7FAC687DC77}"/>
+              </a:ext>
+            </a:extLst>
+          </p:cNvPr>
+          <p:cNvSpPr>
+            <a:spLocks noGrp="1"/>
+          </p:cNvSpPr>
+          <p:nvPr>
+            <p:ph type="title"/>
+          </p:nvPr>
+        </p:nvSpPr>
+        <p:spPr>
+          <a:xfrm>
+            <a:off x="838200" y="365126"/>
+            <a:ext cx="10515600" cy="494846"/>
+          </a:xfrm>
+        </p:spPr>
+        <p:txBody>
+          <a:bodyPr>
+            <a:normAutofit fontScale="90000"/>
+          </a:bodyPr>
+          <a:lstStyle/>
+          <a:p>
+            <a:r>
+              <a:rPr lang="en-US" b="1" dirty="0"/>
+              <a:t>Key Insights &amp; Conclusions</a:t>
+            </a:r>
+            <a:endParaRPr lang="en-UG" b="1" dirty="0"/>
+          </a:p>
+        </p:txBody>
+      </p:sp>
+      <p:sp>
+        <p:nvSpPr>
+          <p:cNvPr id="4" name="TextBox 3">
+            <a:extLst>
+              <a:ext uri="{FF2B5EF4-FFF2-40B4-BE49-F238E27FC236}">
+                <a16:creationId xmlns:a16="http://schemas.microsoft.com/office/drawing/2014/main" id="{E07DBE32-C9A4-BEF8-32CC-7A42837405BB}"/>
+              </a:ext>
+            </a:extLst>
+          </p:cNvPr>
+          <p:cNvSpPr txBox="1"/>
+          <p:nvPr/>
+        </p:nvSpPr>
+        <p:spPr>
+          <a:xfrm>
+            <a:off x="979714" y="1014451"/>
+            <a:ext cx="10374085" cy="5478423"/>
+          </a:xfrm>
+          <a:prstGeom prst="rect">
+            <a:avLst/>
+          </a:prstGeom>
+          <a:noFill/>
+        </p:spPr>
+        <p:txBody>
+          <a:bodyPr wrap="square">
+            <a:spAutoFit/>
+          </a:bodyPr>
+          <a:lstStyle/>
+          <a:p>
+            <a:r>
+              <a:rPr lang="en-US" sz="2500" b="1" dirty="0"/>
+              <a:t>CUSTOM CNN SUCCESS</a:t>
+            </a:r>
+          </a:p>
+          <a:p>
+            <a:pPr marL="342900" indent="-342900" algn="just">
+              <a:buFont typeface="Arial" panose="020B0604020202020204" pitchFamily="34" charset="0"/>
+              <a:buChar char="•"/>
+            </a:pPr>
+            <a:r>
+              <a:rPr lang="en-US" sz="2500" dirty="0"/>
+              <a:t>Custom CNN designed specifically for CIFAR-10:</a:t>
+            </a:r>
+          </a:p>
+          <a:p>
+            <a:pPr marL="342900" indent="-342900" algn="just">
+              <a:buFont typeface="Arial" panose="020B0604020202020204" pitchFamily="34" charset="0"/>
+              <a:buChar char="•"/>
+            </a:pPr>
+            <a:r>
+              <a:rPr lang="en-US" sz="2500" dirty="0"/>
+              <a:t>Works with native 32x32 resolution (no </a:t>
+            </a:r>
+            <a:r>
+              <a:rPr lang="en-US" sz="2500" dirty="0" err="1"/>
+              <a:t>upsampling</a:t>
+            </a:r>
+            <a:r>
+              <a:rPr lang="en-US" sz="2500" dirty="0"/>
+              <a:t> required)</a:t>
+            </a:r>
+          </a:p>
+          <a:p>
+            <a:pPr marL="342900" indent="-342900" algn="just">
+              <a:buFont typeface="Arial" panose="020B0604020202020204" pitchFamily="34" charset="0"/>
+              <a:buChar char="•"/>
+            </a:pPr>
+            <a:r>
+              <a:rPr lang="en-US" sz="2500" dirty="0"/>
+              <a:t>Appropriate architecture for small images</a:t>
+            </a:r>
+          </a:p>
+          <a:p>
+            <a:pPr marL="342900" indent="-342900" algn="just">
+              <a:buFont typeface="Arial" panose="020B0604020202020204" pitchFamily="34" charset="0"/>
+              <a:buChar char="•"/>
+            </a:pPr>
+            <a:r>
+              <a:rPr lang="en-US" sz="2500" dirty="0"/>
+              <a:t>Better regularization (dropout, batch normalization)</a:t>
+            </a:r>
+          </a:p>
+          <a:p>
+            <a:pPr marL="342900" indent="-342900" algn="just">
+              <a:buFont typeface="Arial" panose="020B0604020202020204" pitchFamily="34" charset="0"/>
+              <a:buChar char="•"/>
+            </a:pPr>
+            <a:r>
+              <a:rPr lang="en-US" sz="2500" dirty="0"/>
+              <a:t>More suitable for the dataset characteristics</a:t>
+            </a:r>
+          </a:p>
+          <a:p>
+            <a:pPr marL="342900" indent="-342900" algn="just">
+              <a:buFont typeface="Arial" panose="020B0604020202020204" pitchFamily="34" charset="0"/>
+              <a:buChar char="•"/>
+            </a:pPr>
+            <a:r>
+              <a:rPr lang="en-US" sz="2500" dirty="0"/>
+              <a:t>Achieves good generalization with moderate overfitting (see Overfitting Analysis section)</a:t>
+            </a:r>
+          </a:p>
+          <a:p>
+            <a:endParaRPr lang="en-US" sz="2500" b="1" dirty="0"/>
+          </a:p>
+          <a:p>
+            <a:r>
+              <a:rPr lang="en-US" sz="2500" b="1" dirty="0"/>
+              <a:t>EFFICIENCY COMPARISON</a:t>
+            </a:r>
+          </a:p>
+          <a:p>
+            <a:pPr marL="342900" indent="-342900">
+              <a:buFont typeface="Arial" panose="020B0604020202020204" pitchFamily="34" charset="0"/>
+              <a:buChar char="•"/>
+            </a:pPr>
+            <a:r>
+              <a:rPr lang="en-US" sz="2500" dirty="0"/>
+              <a:t>Custom CNN: Better accuracy with fewer parameters and fewer epochs</a:t>
+            </a:r>
+          </a:p>
+          <a:p>
+            <a:pPr marL="342900" indent="-342900">
+              <a:buFont typeface="Arial" panose="020B0604020202020204" pitchFamily="34" charset="0"/>
+              <a:buChar char="•"/>
+            </a:pPr>
+            <a:r>
+              <a:rPr lang="en-US" sz="2500" dirty="0"/>
+              <a:t>Transfer Models: More parameters, more training time, worse performance</a:t>
+            </a:r>
+          </a:p>
+          <a:p>
+            <a:pPr marL="342900" indent="-342900">
+              <a:buFont typeface="Arial" panose="020B0604020202020204" pitchFamily="34" charset="0"/>
+              <a:buChar char="•"/>
+            </a:pPr>
+            <a:r>
+              <a:rPr lang="en-US" sz="2500" dirty="0"/>
+              <a:t>Custom CNN demonstrates superior parameter efficiency (see Model Complexity section)</a:t>
+            </a:r>
+            <a:endParaRPr lang="en-UG" sz="2500" dirty="0"/>
+          </a:p>
+        </p:txBody>
+      </p:sp>
+    </p:spTree>
+    <p:extLst>
+      <p:ext uri="{BB962C8B-B14F-4D97-AF65-F5344CB8AC3E}">
+        <p14:creationId xmlns:p14="http://schemas.microsoft.com/office/powerpoint/2010/main" val="1998865012"/>
+      </p:ext>
+    </p:extLst>
+  </p:cSld>
+  <p:clrMapOvr>
+    <a:masterClrMapping/>
+  </p:clrMapOvr>
+</p:sld>
+</file>
+
+<file path=ppt/slides/slide31.xml><?xml version="1.0" encoding="utf-8"?>
+<p:sld xmlns:a="http://schemas.openxmlformats.org/drawingml/2006/main" xmlns:r="http://schemas.openxmlformats.org/officeDocument/2006/relationships" xmlns:p="http://schemas.openxmlformats.org/presentationml/2006/main">
+  <p:cSld>
+    <p:spTree>
+      <p:nvGrpSpPr>
+        <p:cNvPr id="1" name="">
+          <a:extLst>
+            <a:ext uri="{FF2B5EF4-FFF2-40B4-BE49-F238E27FC236}">
+              <a16:creationId xmlns:a16="http://schemas.microsoft.com/office/drawing/2014/main" id="{2D4276B2-3B81-FD41-99B1-52E524D7AC63}"/>
+            </a:ext>
+          </a:extLst>
+        </p:cNvPr>
+        <p:cNvGrpSpPr/>
+        <p:nvPr/>
+      </p:nvGrpSpPr>
+      <p:grpSpPr>
+        <a:xfrm>
+          <a:off x="0" y="0"/>
+          <a:ext cx="0" cy="0"/>
+          <a:chOff x="0" y="0"/>
+          <a:chExt cx="0" cy="0"/>
+        </a:xfrm>
+      </p:grpSpPr>
+      <p:sp>
+        <p:nvSpPr>
+          <p:cNvPr id="2" name="Title 1">
+            <a:extLst>
+              <a:ext uri="{FF2B5EF4-FFF2-40B4-BE49-F238E27FC236}">
+                <a16:creationId xmlns:a16="http://schemas.microsoft.com/office/drawing/2014/main" id="{3D8AA09B-ED7C-BA6A-ACEC-5E34C4D67662}"/>
+              </a:ext>
+            </a:extLst>
+          </p:cNvPr>
+          <p:cNvSpPr>
+            <a:spLocks noGrp="1"/>
+          </p:cNvSpPr>
+          <p:nvPr>
+            <p:ph type="title"/>
+          </p:nvPr>
+        </p:nvSpPr>
+        <p:spPr>
+          <a:xfrm>
+            <a:off x="838200" y="365126"/>
+            <a:ext cx="10515600" cy="494846"/>
+          </a:xfrm>
+        </p:spPr>
+        <p:txBody>
+          <a:bodyPr>
+            <a:normAutofit fontScale="90000"/>
+          </a:bodyPr>
+          <a:lstStyle/>
+          <a:p>
+            <a:r>
+              <a:rPr lang="en-US" b="1" dirty="0"/>
+              <a:t>Key Insights &amp; Conclusions</a:t>
+            </a:r>
+            <a:endParaRPr lang="en-UG" b="1" dirty="0"/>
+          </a:p>
+        </p:txBody>
+      </p:sp>
+      <p:sp>
+        <p:nvSpPr>
+          <p:cNvPr id="4" name="TextBox 3">
+            <a:extLst>
+              <a:ext uri="{FF2B5EF4-FFF2-40B4-BE49-F238E27FC236}">
+                <a16:creationId xmlns:a16="http://schemas.microsoft.com/office/drawing/2014/main" id="{99029826-3845-7C45-5C18-30EA7302EFDE}"/>
+              </a:ext>
+            </a:extLst>
+          </p:cNvPr>
+          <p:cNvSpPr txBox="1"/>
+          <p:nvPr/>
+        </p:nvSpPr>
+        <p:spPr>
+          <a:xfrm>
+            <a:off x="979714" y="1014451"/>
+            <a:ext cx="10374085" cy="5093702"/>
+          </a:xfrm>
+          <a:prstGeom prst="rect">
+            <a:avLst/>
+          </a:prstGeom>
+          <a:noFill/>
+        </p:spPr>
+        <p:txBody>
+          <a:bodyPr wrap="square">
+            <a:spAutoFit/>
+          </a:bodyPr>
+          <a:lstStyle/>
+          <a:p>
+            <a:r>
+              <a:rPr lang="en-US" sz="2500" b="1" dirty="0"/>
+              <a:t>For CIFAR-10:</a:t>
+            </a:r>
+          </a:p>
+          <a:p>
+            <a:pPr marL="342900" indent="-342900">
+              <a:buFont typeface="Arial" panose="020B0604020202020204" pitchFamily="34" charset="0"/>
+              <a:buChar char="•"/>
+            </a:pPr>
+            <a:r>
+              <a:rPr lang="en-US" sz="2500" dirty="0"/>
+              <a:t>Use Custom CNN or architectures designed for small images</a:t>
+            </a:r>
+          </a:p>
+          <a:p>
+            <a:pPr marL="342900" indent="-342900">
+              <a:buFont typeface="Arial" panose="020B0604020202020204" pitchFamily="34" charset="0"/>
+              <a:buChar char="•"/>
+            </a:pPr>
+            <a:r>
+              <a:rPr lang="en-US" sz="2500" dirty="0"/>
+              <a:t>Consider models pre-trained on similar small-image datasets</a:t>
+            </a:r>
+          </a:p>
+          <a:p>
+            <a:endParaRPr lang="en-US" sz="2500" b="1" dirty="0"/>
+          </a:p>
+          <a:p>
+            <a:r>
+              <a:rPr lang="en-US" sz="2500" b="1" dirty="0"/>
+              <a:t>For Transfer Learning:</a:t>
+            </a:r>
+          </a:p>
+          <a:p>
+            <a:pPr marL="342900" indent="-342900">
+              <a:buFont typeface="Arial" panose="020B0604020202020204" pitchFamily="34" charset="0"/>
+              <a:buChar char="•"/>
+            </a:pPr>
+            <a:r>
+              <a:rPr lang="en-US" sz="2500" dirty="0"/>
+              <a:t>Consider models pre-trained on similar datasets (e.g., CIFAR-100, Tiny ImageNet)</a:t>
+            </a:r>
+          </a:p>
+          <a:p>
+            <a:pPr marL="342900" indent="-342900">
+              <a:buFont typeface="Arial" panose="020B0604020202020204" pitchFamily="34" charset="0"/>
+              <a:buChar char="•"/>
+            </a:pPr>
+            <a:r>
+              <a:rPr lang="en-US" sz="2500" dirty="0"/>
+              <a:t>Try different transfer learning strategies:</a:t>
+            </a:r>
+          </a:p>
+          <a:p>
+            <a:pPr marL="342900" indent="-342900">
+              <a:buFont typeface="Arial" panose="020B0604020202020204" pitchFamily="34" charset="0"/>
+              <a:buChar char="•"/>
+            </a:pPr>
+            <a:r>
+              <a:rPr lang="en-US" sz="2500" dirty="0"/>
+              <a:t>Lower learning rates (1e-5 to 1e-4) for fine-tuning</a:t>
+            </a:r>
+          </a:p>
+          <a:p>
+            <a:pPr marL="342900" indent="-342900">
+              <a:buFont typeface="Arial" panose="020B0604020202020204" pitchFamily="34" charset="0"/>
+              <a:buChar char="•"/>
+            </a:pPr>
+            <a:r>
+              <a:rPr lang="en-US" sz="2500" dirty="0"/>
+              <a:t>Progressive unfreezing (unfreeze layers gradually)</a:t>
+            </a:r>
+          </a:p>
+          <a:p>
+            <a:pPr marL="342900" indent="-342900">
+              <a:buFont typeface="Arial" panose="020B0604020202020204" pitchFamily="34" charset="0"/>
+              <a:buChar char="•"/>
+            </a:pPr>
+            <a:r>
+              <a:rPr lang="en-US" sz="2500" dirty="0"/>
+              <a:t>Stronger data augmentation</a:t>
+            </a:r>
+          </a:p>
+          <a:p>
+            <a:pPr marL="342900" indent="-342900">
+              <a:buFont typeface="Arial" panose="020B0604020202020204" pitchFamily="34" charset="0"/>
+              <a:buChar char="•"/>
+            </a:pPr>
+            <a:r>
+              <a:rPr lang="en-US" sz="2500" dirty="0"/>
+              <a:t>Different base models (</a:t>
+            </a:r>
+            <a:r>
+              <a:rPr lang="en-US" sz="2500" dirty="0" err="1"/>
+              <a:t>ResNet</a:t>
+            </a:r>
+            <a:r>
+              <a:rPr lang="en-US" sz="2500" dirty="0"/>
+              <a:t>, </a:t>
+            </a:r>
+            <a:r>
+              <a:rPr lang="en-US" sz="2500" dirty="0" err="1"/>
+              <a:t>EfficientNet</a:t>
+            </a:r>
+            <a:r>
+              <a:rPr lang="en-US" sz="2500" dirty="0"/>
+              <a:t>)</a:t>
+            </a:r>
+          </a:p>
+          <a:p>
+            <a:pPr marL="342900" indent="-342900">
+              <a:buFont typeface="Arial" panose="020B0604020202020204" pitchFamily="34" charset="0"/>
+              <a:buChar char="•"/>
+            </a:pPr>
+            <a:r>
+              <a:rPr lang="en-US" sz="2500" dirty="0"/>
+              <a:t>Better regularization techniques</a:t>
+            </a:r>
+            <a:endParaRPr lang="en-UG" sz="2500" dirty="0"/>
+          </a:p>
+        </p:txBody>
+      </p:sp>
+    </p:spTree>
+    <p:extLst>
+      <p:ext uri="{BB962C8B-B14F-4D97-AF65-F5344CB8AC3E}">
+        <p14:creationId xmlns:p14="http://schemas.microsoft.com/office/powerpoint/2010/main" val="87533130"/>
+      </p:ext>
+    </p:extLst>
+  </p:cSld>
+  <p:clrMapOvr>
+    <a:masterClrMapping/>
+  </p:clrMapOvr>
+</p:sld>
+</file>
+
+<file path=ppt/slides/slide32.xml><?xml version="1.0" encoding="utf-8"?>
 <p:sld xmlns:a="http://schemas.openxmlformats.org/drawingml/2006/main" xmlns:r="http://schemas.openxmlformats.org/officeDocument/2006/relationships" xmlns:p="http://schemas.openxmlformats.org/presentationml/2006/main">
   <p:cSld>
     <p:spTree>
@@ -7692,163 +8483,6 @@
 </p:sld>
 </file>
 
-<file path=ppt/slides/slide3.xml><?xml version="1.0" encoding="utf-8"?>
-<p:sld xmlns:a="http://schemas.openxmlformats.org/drawingml/2006/main" xmlns:r="http://schemas.openxmlformats.org/officeDocument/2006/relationships" xmlns:p="http://schemas.openxmlformats.org/presentationml/2006/main">
-  <p:cSld>
-    <p:spTree>
-      <p:nvGrpSpPr>
-        <p:cNvPr id="1" name=""/>
-        <p:cNvGrpSpPr/>
-        <p:nvPr/>
-      </p:nvGrpSpPr>
-      <p:grpSpPr>
-        <a:xfrm>
-          <a:off x="0" y="0"/>
-          <a:ext cx="0" cy="0"/>
-          <a:chOff x="0" y="0"/>
-          <a:chExt cx="0" cy="0"/>
-        </a:xfrm>
-      </p:grpSpPr>
-      <p:sp>
-        <p:nvSpPr>
-          <p:cNvPr id="2" name="Title 1"/>
-          <p:cNvSpPr>
-            <a:spLocks noGrp="1"/>
-          </p:cNvSpPr>
-          <p:nvPr>
-            <p:ph type="title"/>
-          </p:nvPr>
-        </p:nvSpPr>
-        <p:spPr>
-          <a:xfrm>
-            <a:off x="1153885" y="274639"/>
-            <a:ext cx="8229600" cy="743934"/>
-          </a:xfrm>
-        </p:spPr>
-        <p:txBody>
-          <a:bodyPr>
-            <a:normAutofit/>
-          </a:bodyPr>
-          <a:lstStyle/>
-          <a:p>
-            <a:pPr algn="l"/>
-            <a:r>
-              <a:rPr b="1" dirty="0"/>
-              <a:t>About the CIFAR-10 Dataset</a:t>
-            </a:r>
-          </a:p>
-        </p:txBody>
-      </p:sp>
-      <p:sp>
-        <p:nvSpPr>
-          <p:cNvPr id="3" name="Content Placeholder 2"/>
-          <p:cNvSpPr>
-            <a:spLocks noGrp="1"/>
-          </p:cNvSpPr>
-          <p:nvPr>
-            <p:ph idx="1"/>
-          </p:nvPr>
-        </p:nvSpPr>
-        <p:spPr>
-          <a:xfrm>
-            <a:off x="664029" y="1218234"/>
-            <a:ext cx="10885713" cy="5365127"/>
-          </a:xfrm>
-        </p:spPr>
-        <p:txBody>
-          <a:bodyPr>
-            <a:noAutofit/>
-          </a:bodyPr>
-          <a:lstStyle/>
-          <a:p>
-            <a:pPr lvl="1" algn="just"/>
-            <a:r>
-              <a:rPr dirty="0"/>
-              <a:t>CIFAR-10 contains 60,000 color images sized 32×32 pixels. </a:t>
-            </a:r>
-            <a:endParaRPr lang="en-US" dirty="0"/>
-          </a:p>
-          <a:p>
-            <a:pPr lvl="1" algn="just"/>
-            <a:endParaRPr lang="en-US" dirty="0"/>
-          </a:p>
-          <a:p>
-            <a:pPr lvl="1" algn="just"/>
-            <a:r>
-              <a:rPr dirty="0"/>
-              <a:t>10 mutually exclusive classes, with 6,000 images per class.</a:t>
-            </a:r>
-            <a:endParaRPr lang="en-US" dirty="0"/>
-          </a:p>
-          <a:p>
-            <a:pPr lvl="1" algn="just"/>
-            <a:endParaRPr dirty="0"/>
-          </a:p>
-          <a:p>
-            <a:pPr lvl="1" algn="just"/>
-            <a:r>
-              <a:rPr dirty="0"/>
-              <a:t>Split: 50,000 training images and 10,000 test images.</a:t>
-            </a:r>
-            <a:endParaRPr lang="en-US" dirty="0"/>
-          </a:p>
-          <a:p>
-            <a:pPr lvl="1" algn="just"/>
-            <a:endParaRPr dirty="0"/>
-          </a:p>
-          <a:p>
-            <a:pPr lvl="1" algn="just"/>
-            <a:r>
-              <a:rPr dirty="0"/>
-              <a:t>Dataset structure: 5 training batches (10,000 each) and 1 test batch.</a:t>
-            </a:r>
-            <a:endParaRPr lang="en-US" dirty="0"/>
-          </a:p>
-          <a:p>
-            <a:pPr lvl="1" algn="just"/>
-            <a:endParaRPr dirty="0"/>
-          </a:p>
-          <a:p>
-            <a:pPr lvl="1" algn="just"/>
-            <a:r>
-              <a:rPr dirty="0"/>
-              <a:t>Test batch has exactly 1,000 images per class.</a:t>
-            </a:r>
-            <a:endParaRPr lang="en-US" dirty="0"/>
-          </a:p>
-          <a:p>
-            <a:pPr lvl="1" algn="just"/>
-            <a:endParaRPr dirty="0"/>
-          </a:p>
-          <a:p>
-            <a:pPr lvl="1" algn="just"/>
-            <a:r>
-              <a:rPr dirty="0"/>
-              <a:t>Training batches contain 5,000 images per class in total (random distribution).</a:t>
-            </a:r>
-            <a:endParaRPr lang="en-US" dirty="0"/>
-          </a:p>
-          <a:p>
-            <a:pPr lvl="1" algn="just"/>
-            <a:endParaRPr dirty="0"/>
-          </a:p>
-          <a:p>
-            <a:pPr lvl="1" algn="just"/>
-            <a:r>
-              <a:rPr dirty="0"/>
-              <a:t>Each batch is a pickled Python dictionary containing 'data' and 'labels'</a:t>
-            </a:r>
-          </a:p>
-        </p:txBody>
-      </p:sp>
-    </p:spTree>
-  </p:cSld>
-  <p:clrMapOvr>
-    <a:masterClrMapping/>
-  </p:clrMapOvr>
-</p:sld>
-</file>
-
 <file path=ppt/slides/slide4.xml><?xml version="1.0" encoding="utf-8"?>
 <p:sld xmlns:a="http://schemas.openxmlformats.org/drawingml/2006/main" xmlns:r="http://schemas.openxmlformats.org/officeDocument/2006/relationships" xmlns:p="http://schemas.openxmlformats.org/presentationml/2006/main">
   <p:cSld>
